--- a/p07/A-frame-additional-geom-objects.pptx
+++ b/p07/A-frame-additional-geom-objects.pptx
@@ -6,11 +6,10 @@
   </p:sldMasterIdLst>
   <p:sldIdLst>
     <p:sldId id="295" r:id="rId2"/>
-    <p:sldId id="258" r:id="rId3"/>
-    <p:sldId id="259" r:id="rId4"/>
-    <p:sldId id="260" r:id="rId5"/>
-    <p:sldId id="261" r:id="rId6"/>
-    <p:sldId id="293" r:id="rId7"/>
+    <p:sldId id="259" r:id="rId3"/>
+    <p:sldId id="260" r:id="rId4"/>
+    <p:sldId id="261" r:id="rId5"/>
+    <p:sldId id="293" r:id="rId6"/>
   </p:sldIdLst>
   <p:sldSz cx="12192000" cy="6858000"/>
   <p:notesSz cx="6858000" cy="9144000"/>
@@ -248,7 +247,7 @@
           <a:p>
             <a:fld id="{846CE7D5-CF57-46EF-B807-FDD0502418D4}" type="datetimeFigureOut">
               <a:rPr lang="en-US" smtClean="0"/>
-              <a:t>6/19/2024</a:t>
+              <a:t>10/19/2024</a:t>
             </a:fld>
             <a:endParaRPr lang="en-US"/>
           </a:p>
@@ -418,7 +417,7 @@
           <a:p>
             <a:fld id="{846CE7D5-CF57-46EF-B807-FDD0502418D4}" type="datetimeFigureOut">
               <a:rPr lang="en-US" smtClean="0"/>
-              <a:t>6/19/2024</a:t>
+              <a:t>10/19/2024</a:t>
             </a:fld>
             <a:endParaRPr lang="en-US"/>
           </a:p>
@@ -598,7 +597,7 @@
           <a:p>
             <a:fld id="{846CE7D5-CF57-46EF-B807-FDD0502418D4}" type="datetimeFigureOut">
               <a:rPr lang="en-US" smtClean="0"/>
-              <a:t>6/19/2024</a:t>
+              <a:t>10/19/2024</a:t>
             </a:fld>
             <a:endParaRPr lang="en-US"/>
           </a:p>
@@ -768,7 +767,7 @@
           <a:p>
             <a:fld id="{846CE7D5-CF57-46EF-B807-FDD0502418D4}" type="datetimeFigureOut">
               <a:rPr lang="en-US" smtClean="0"/>
-              <a:t>6/19/2024</a:t>
+              <a:t>10/19/2024</a:t>
             </a:fld>
             <a:endParaRPr lang="en-US"/>
           </a:p>
@@ -1014,7 +1013,7 @@
           <a:p>
             <a:fld id="{846CE7D5-CF57-46EF-B807-FDD0502418D4}" type="datetimeFigureOut">
               <a:rPr lang="en-US" smtClean="0"/>
-              <a:t>6/19/2024</a:t>
+              <a:t>10/19/2024</a:t>
             </a:fld>
             <a:endParaRPr lang="en-US"/>
           </a:p>
@@ -1246,7 +1245,7 @@
           <a:p>
             <a:fld id="{846CE7D5-CF57-46EF-B807-FDD0502418D4}" type="datetimeFigureOut">
               <a:rPr lang="en-US" smtClean="0"/>
-              <a:t>6/19/2024</a:t>
+              <a:t>10/19/2024</a:t>
             </a:fld>
             <a:endParaRPr lang="en-US"/>
           </a:p>
@@ -1613,7 +1612,7 @@
           <a:p>
             <a:fld id="{846CE7D5-CF57-46EF-B807-FDD0502418D4}" type="datetimeFigureOut">
               <a:rPr lang="en-US" smtClean="0"/>
-              <a:t>6/19/2024</a:t>
+              <a:t>10/19/2024</a:t>
             </a:fld>
             <a:endParaRPr lang="en-US"/>
           </a:p>
@@ -1731,7 +1730,7 @@
           <a:p>
             <a:fld id="{846CE7D5-CF57-46EF-B807-FDD0502418D4}" type="datetimeFigureOut">
               <a:rPr lang="en-US" smtClean="0"/>
-              <a:t>6/19/2024</a:t>
+              <a:t>10/19/2024</a:t>
             </a:fld>
             <a:endParaRPr lang="en-US"/>
           </a:p>
@@ -1826,7 +1825,7 @@
           <a:p>
             <a:fld id="{846CE7D5-CF57-46EF-B807-FDD0502418D4}" type="datetimeFigureOut">
               <a:rPr lang="en-US" smtClean="0"/>
-              <a:t>6/19/2024</a:t>
+              <a:t>10/19/2024</a:t>
             </a:fld>
             <a:endParaRPr lang="en-US"/>
           </a:p>
@@ -2103,7 +2102,7 @@
           <a:p>
             <a:fld id="{846CE7D5-CF57-46EF-B807-FDD0502418D4}" type="datetimeFigureOut">
               <a:rPr lang="en-US" smtClean="0"/>
-              <a:t>6/19/2024</a:t>
+              <a:t>10/19/2024</a:t>
             </a:fld>
             <a:endParaRPr lang="en-US"/>
           </a:p>
@@ -2360,7 +2359,7 @@
           <a:p>
             <a:fld id="{846CE7D5-CF57-46EF-B807-FDD0502418D4}" type="datetimeFigureOut">
               <a:rPr lang="en-US" smtClean="0"/>
-              <a:t>6/19/2024</a:t>
+              <a:t>10/19/2024</a:t>
             </a:fld>
             <a:endParaRPr lang="en-US"/>
           </a:p>
@@ -2573,7 +2572,7 @@
           <a:p>
             <a:fld id="{846CE7D5-CF57-46EF-B807-FDD0502418D4}" type="datetimeFigureOut">
               <a:rPr lang="en-US" smtClean="0"/>
-              <a:t>6/19/2024</a:t>
+              <a:t>10/19/2024</a:t>
             </a:fld>
             <a:endParaRPr lang="en-US"/>
           </a:p>
@@ -4272,1191 +4271,6 @@
           <p:cNvPr id="2" name="Title 1">
             <a:extLst>
               <a:ext uri="{FF2B5EF4-FFF2-40B4-BE49-F238E27FC236}">
-                <a16:creationId xmlns:a16="http://schemas.microsoft.com/office/drawing/2014/main" id="{29D5BE20-677D-4B4F-44B7-9A84D1548C6C}"/>
-              </a:ext>
-            </a:extLst>
-          </p:cNvPr>
-          <p:cNvSpPr>
-            <a:spLocks noGrp="1"/>
-          </p:cNvSpPr>
-          <p:nvPr>
-            <p:ph type="title"/>
-          </p:nvPr>
-        </p:nvSpPr>
-        <p:spPr/>
-        <p:txBody>
-          <a:bodyPr/>
-          <a:lstStyle/>
-          <a:p>
-            <a:r>
-              <a:rPr lang="en-US" dirty="0">
-                <a:ea typeface="Calibri Light"/>
-                <a:cs typeface="Calibri Light"/>
-              </a:rPr>
-              <a:t>Learning plan</a:t>
-            </a:r>
-            <a:endParaRPr lang="en-US" dirty="0"/>
-          </a:p>
-        </p:txBody>
-      </p:sp>
-      <p:graphicFrame>
-        <p:nvGraphicFramePr>
-          <p:cNvPr id="5" name="Table 4">
-            <a:extLst>
-              <a:ext uri="{FF2B5EF4-FFF2-40B4-BE49-F238E27FC236}">
-                <a16:creationId xmlns:a16="http://schemas.microsoft.com/office/drawing/2014/main" id="{94CC263D-27AE-E86F-7091-6D2561F5BDDC}"/>
-              </a:ext>
-            </a:extLst>
-          </p:cNvPr>
-          <p:cNvGraphicFramePr>
-            <a:graphicFrameLocks noGrp="1"/>
-          </p:cNvGraphicFramePr>
-          <p:nvPr>
-            <p:extLst>
-              <p:ext uri="{D42A27DB-BD31-4B8C-83A1-F6EECF244321}">
-                <p14:modId xmlns:p14="http://schemas.microsoft.com/office/powerpoint/2010/main" val="1627699790"/>
-              </p:ext>
-            </p:extLst>
-          </p:nvPr>
-        </p:nvGraphicFramePr>
-        <p:xfrm>
-          <a:off x="680674" y="1691735"/>
-          <a:ext cx="11128201" cy="3870960"/>
-        </p:xfrm>
-        <a:graphic>
-          <a:graphicData uri="http://schemas.openxmlformats.org/drawingml/2006/table">
-            <a:tbl>
-              <a:tblPr firstRow="1" bandRow="1">
-                <a:tableStyleId>{2D5ABB26-0587-4C30-8999-92F81FD0307C}</a:tableStyleId>
-              </a:tblPr>
-              <a:tblGrid>
-                <a:gridCol w="4113444">
-                  <a:extLst>
-                    <a:ext uri="{9D8B030D-6E8A-4147-A177-3AD203B41FA5}">
-                      <a16:colId xmlns:a16="http://schemas.microsoft.com/office/drawing/2014/main" val="1160588841"/>
-                    </a:ext>
-                  </a:extLst>
-                </a:gridCol>
-                <a:gridCol w="7014757">
-                  <a:extLst>
-                    <a:ext uri="{9D8B030D-6E8A-4147-A177-3AD203B41FA5}">
-                      <a16:colId xmlns:a16="http://schemas.microsoft.com/office/drawing/2014/main" val="2091583440"/>
-                    </a:ext>
-                  </a:extLst>
-                </a:gridCol>
-              </a:tblGrid>
-              <a:tr h="190500">
-                <a:tc>
-                  <a:txBody>
-                    <a:bodyPr/>
-                    <a:lstStyle/>
-                    <a:p>
-                      <a:pPr fontAlgn="t"/>
-                      <a:r>
-                        <a:rPr lang="en-US" sz="2000" b="1" dirty="0">
-                          <a:effectLst/>
-                        </a:rPr>
-                        <a:t>Introduction </a:t>
-                      </a:r>
-                      <a:endParaRPr lang="en-US" sz="2000" dirty="0">
-                        <a:effectLst/>
-                      </a:endParaRPr>
-                    </a:p>
-                  </a:txBody>
-                  <a:tcPr>
-                    <a:lnL w="12700" cap="flat" cmpd="sng" algn="ctr">
-                      <a:solidFill>
-                        <a:schemeClr val="tx1"/>
-                      </a:solidFill>
-                      <a:prstDash val="solid"/>
-                      <a:round/>
-                      <a:headEnd type="none" w="med" len="med"/>
-                      <a:tailEnd type="none" w="med" len="med"/>
-                    </a:lnL>
-                    <a:lnR w="12700" cap="flat" cmpd="sng" algn="ctr">
-                      <a:solidFill>
-                        <a:schemeClr val="tx1"/>
-                      </a:solidFill>
-                      <a:prstDash val="solid"/>
-                      <a:round/>
-                      <a:headEnd type="none" w="med" len="med"/>
-                      <a:tailEnd type="none" w="med" len="med"/>
-                    </a:lnR>
-                    <a:lnT w="12700" cap="flat" cmpd="sng" algn="ctr">
-                      <a:solidFill>
-                        <a:schemeClr val="tx1"/>
-                      </a:solidFill>
-                      <a:prstDash val="solid"/>
-                      <a:round/>
-                      <a:headEnd type="none" w="med" len="med"/>
-                      <a:tailEnd type="none" w="med" len="med"/>
-                    </a:lnT>
-                    <a:lnB w="12700" cap="flat" cmpd="sng" algn="ctr">
-                      <a:solidFill>
-                        <a:schemeClr val="tx1"/>
-                      </a:solidFill>
-                      <a:prstDash val="solid"/>
-                      <a:round/>
-                      <a:headEnd type="none" w="med" len="med"/>
-                      <a:tailEnd type="none" w="med" len="med"/>
-                    </a:lnB>
-                  </a:tcPr>
-                </a:tc>
-                <a:tc>
-                  <a:txBody>
-                    <a:bodyPr/>
-                    <a:lstStyle/>
-                    <a:p>
-                      <a:pPr fontAlgn="t"/>
-                      <a:r>
-                        <a:rPr lang="en-US" sz="2000" b="0" dirty="0">
-                          <a:effectLst/>
-                        </a:rPr>
-                        <a:t>Overview – outline goals </a:t>
-                      </a:r>
-                      <a:endParaRPr lang="en-US" sz="2000" dirty="0">
-                        <a:effectLst/>
-                      </a:endParaRPr>
-                    </a:p>
-                    <a:p>
-                      <a:pPr algn="l" rtl="0" fontAlgn="base"/>
-                      <a:r>
-                        <a:rPr lang="en-US" sz="2000" b="0" dirty="0">
-                          <a:effectLst/>
-                        </a:rPr>
-                        <a:t>Setting up google cardboard with glitch.com system </a:t>
-                      </a:r>
-                      <a:endParaRPr lang="en-US" sz="2000" b="0" i="0" dirty="0">
-                        <a:effectLst/>
-                        <a:latin typeface="Calibri"/>
-                      </a:endParaRPr>
-                    </a:p>
-                  </a:txBody>
-                  <a:tcPr>
-                    <a:lnL w="12700" cap="flat" cmpd="sng" algn="ctr">
-                      <a:solidFill>
-                        <a:schemeClr val="tx1"/>
-                      </a:solidFill>
-                      <a:prstDash val="solid"/>
-                      <a:round/>
-                      <a:headEnd type="none" w="med" len="med"/>
-                      <a:tailEnd type="none" w="med" len="med"/>
-                    </a:lnL>
-                    <a:lnR w="12700" cap="flat" cmpd="sng" algn="ctr">
-                      <a:solidFill>
-                        <a:schemeClr val="tx1"/>
-                      </a:solidFill>
-                      <a:prstDash val="solid"/>
-                      <a:round/>
-                      <a:headEnd type="none" w="med" len="med"/>
-                      <a:tailEnd type="none" w="med" len="med"/>
-                    </a:lnR>
-                    <a:lnT w="12700" cap="flat" cmpd="sng" algn="ctr">
-                      <a:solidFill>
-                        <a:schemeClr val="tx1"/>
-                      </a:solidFill>
-                      <a:prstDash val="solid"/>
-                      <a:round/>
-                      <a:headEnd type="none" w="med" len="med"/>
-                      <a:tailEnd type="none" w="med" len="med"/>
-                    </a:lnT>
-                    <a:lnB w="12700" cap="flat" cmpd="sng" algn="ctr">
-                      <a:solidFill>
-                        <a:schemeClr val="tx1"/>
-                      </a:solidFill>
-                      <a:prstDash val="solid"/>
-                      <a:round/>
-                      <a:headEnd type="none" w="med" len="med"/>
-                      <a:tailEnd type="none" w="med" len="med"/>
-                    </a:lnB>
-                  </a:tcPr>
-                </a:tc>
-                <a:extLst>
-                  <a:ext uri="{0D108BD9-81ED-4DB2-BD59-A6C34878D82A}">
-                    <a16:rowId xmlns:a16="http://schemas.microsoft.com/office/drawing/2014/main" val="2623257747"/>
-                  </a:ext>
-                </a:extLst>
-              </a:tr>
-              <a:tr h="190500">
-                <a:tc>
-                  <a:txBody>
-                    <a:bodyPr/>
-                    <a:lstStyle/>
-                    <a:p>
-                      <a:pPr fontAlgn="t"/>
-                      <a:r>
-                        <a:rPr lang="en-US" sz="2000" b="1" dirty="0">
-                          <a:solidFill>
-                            <a:schemeClr val="tx1"/>
-                          </a:solidFill>
-                          <a:effectLst/>
-                        </a:rPr>
-                        <a:t>A-frame basics </a:t>
-                      </a:r>
-                      <a:endParaRPr lang="en-US" sz="2000" dirty="0">
-                        <a:solidFill>
-                          <a:schemeClr val="tx1"/>
-                        </a:solidFill>
-                        <a:effectLst/>
-                      </a:endParaRPr>
-                    </a:p>
-                  </a:txBody>
-                  <a:tcPr>
-                    <a:lnL w="12700" cap="flat" cmpd="sng" algn="ctr">
-                      <a:solidFill>
-                        <a:schemeClr val="tx1"/>
-                      </a:solidFill>
-                      <a:prstDash val="solid"/>
-                      <a:round/>
-                      <a:headEnd type="none" w="med" len="med"/>
-                      <a:tailEnd type="none" w="med" len="med"/>
-                    </a:lnL>
-                    <a:lnR w="12700" cap="flat" cmpd="sng" algn="ctr">
-                      <a:solidFill>
-                        <a:schemeClr val="tx1"/>
-                      </a:solidFill>
-                      <a:prstDash val="solid"/>
-                      <a:round/>
-                      <a:headEnd type="none" w="med" len="med"/>
-                      <a:tailEnd type="none" w="med" len="med"/>
-                    </a:lnR>
-                    <a:lnT w="12700" cap="flat" cmpd="sng" algn="ctr">
-                      <a:solidFill>
-                        <a:schemeClr val="tx1"/>
-                      </a:solidFill>
-                      <a:prstDash val="solid"/>
-                      <a:round/>
-                      <a:headEnd type="none" w="med" len="med"/>
-                      <a:tailEnd type="none" w="med" len="med"/>
-                    </a:lnT>
-                    <a:lnB w="12700" cap="flat" cmpd="sng" algn="ctr">
-                      <a:solidFill>
-                        <a:schemeClr val="tx1"/>
-                      </a:solidFill>
-                      <a:prstDash val="solid"/>
-                      <a:round/>
-                      <a:headEnd type="none" w="med" len="med"/>
-                      <a:tailEnd type="none" w="med" len="med"/>
-                    </a:lnB>
-                    <a:noFill/>
-                  </a:tcPr>
-                </a:tc>
-                <a:tc>
-                  <a:txBody>
-                    <a:bodyPr/>
-                    <a:lstStyle/>
-                    <a:p>
-                      <a:pPr fontAlgn="t"/>
-                      <a:endParaRPr lang="en-US" sz="2000" b="0" i="0" dirty="0">
-                        <a:solidFill>
-                          <a:schemeClr val="tx1"/>
-                        </a:solidFill>
-                        <a:effectLst/>
-                        <a:latin typeface="Calibri"/>
-                      </a:endParaRPr>
-                    </a:p>
-                  </a:txBody>
-                  <a:tcPr>
-                    <a:lnL w="12700" cap="flat" cmpd="sng" algn="ctr">
-                      <a:solidFill>
-                        <a:schemeClr val="tx1"/>
-                      </a:solidFill>
-                      <a:prstDash val="solid"/>
-                      <a:round/>
-                      <a:headEnd type="none" w="med" len="med"/>
-                      <a:tailEnd type="none" w="med" len="med"/>
-                    </a:lnL>
-                    <a:lnR w="12700" cap="flat" cmpd="sng" algn="ctr">
-                      <a:solidFill>
-                        <a:schemeClr val="tx1"/>
-                      </a:solidFill>
-                      <a:prstDash val="solid"/>
-                      <a:round/>
-                      <a:headEnd type="none" w="med" len="med"/>
-                      <a:tailEnd type="none" w="med" len="med"/>
-                    </a:lnR>
-                    <a:lnT w="12700" cap="flat" cmpd="sng" algn="ctr">
-                      <a:solidFill>
-                        <a:schemeClr val="tx1"/>
-                      </a:solidFill>
-                      <a:prstDash val="solid"/>
-                      <a:round/>
-                      <a:headEnd type="none" w="med" len="med"/>
-                      <a:tailEnd type="none" w="med" len="med"/>
-                    </a:lnT>
-                    <a:lnB w="12700" cap="flat" cmpd="sng" algn="ctr">
-                      <a:solidFill>
-                        <a:schemeClr val="tx1"/>
-                      </a:solidFill>
-                      <a:prstDash val="solid"/>
-                      <a:round/>
-                      <a:headEnd type="none" w="med" len="med"/>
-                      <a:tailEnd type="none" w="med" len="med"/>
-                    </a:lnB>
-                    <a:noFill/>
-                  </a:tcPr>
-                </a:tc>
-                <a:extLst>
-                  <a:ext uri="{0D108BD9-81ED-4DB2-BD59-A6C34878D82A}">
-                    <a16:rowId xmlns:a16="http://schemas.microsoft.com/office/drawing/2014/main" val="4127385376"/>
-                  </a:ext>
-                </a:extLst>
-              </a:tr>
-              <a:tr h="190500">
-                <a:tc>
-                  <a:txBody>
-                    <a:bodyPr/>
-                    <a:lstStyle/>
-                    <a:p>
-                      <a:pPr fontAlgn="t"/>
-                      <a:r>
-                        <a:rPr lang="en-US" sz="2000" b="1" dirty="0">
-                          <a:effectLst/>
-                        </a:rPr>
-                        <a:t>Foundations </a:t>
-                      </a:r>
-                      <a:endParaRPr lang="en-US" sz="2000" dirty="0">
-                        <a:effectLst/>
-                      </a:endParaRPr>
-                    </a:p>
-                  </a:txBody>
-                  <a:tcPr>
-                    <a:lnL w="12700" cap="flat" cmpd="sng" algn="ctr">
-                      <a:solidFill>
-                        <a:schemeClr val="tx1"/>
-                      </a:solidFill>
-                      <a:prstDash val="solid"/>
-                      <a:round/>
-                      <a:headEnd type="none" w="med" len="med"/>
-                      <a:tailEnd type="none" w="med" len="med"/>
-                    </a:lnL>
-                    <a:lnR w="12700" cap="flat" cmpd="sng" algn="ctr">
-                      <a:solidFill>
-                        <a:schemeClr val="tx1"/>
-                      </a:solidFill>
-                      <a:prstDash val="solid"/>
-                      <a:round/>
-                      <a:headEnd type="none" w="med" len="med"/>
-                      <a:tailEnd type="none" w="med" len="med"/>
-                    </a:lnR>
-                    <a:lnT w="12700" cap="flat" cmpd="sng" algn="ctr">
-                      <a:solidFill>
-                        <a:schemeClr val="tx1"/>
-                      </a:solidFill>
-                      <a:prstDash val="solid"/>
-                      <a:round/>
-                      <a:headEnd type="none" w="med" len="med"/>
-                      <a:tailEnd type="none" w="med" len="med"/>
-                    </a:lnT>
-                    <a:lnB w="12700" cap="flat" cmpd="sng" algn="ctr">
-                      <a:solidFill>
-                        <a:schemeClr val="tx1"/>
-                      </a:solidFill>
-                      <a:prstDash val="solid"/>
-                      <a:round/>
-                      <a:headEnd type="none" w="med" len="med"/>
-                      <a:tailEnd type="none" w="med" len="med"/>
-                    </a:lnB>
-                  </a:tcPr>
-                </a:tc>
-                <a:tc>
-                  <a:txBody>
-                    <a:bodyPr/>
-                    <a:lstStyle/>
-                    <a:p>
-                      <a:pPr fontAlgn="t"/>
-                      <a:endParaRPr lang="en-US" sz="2000" dirty="0">
-                        <a:effectLst/>
-                      </a:endParaRPr>
-                    </a:p>
-                  </a:txBody>
-                  <a:tcPr>
-                    <a:lnL w="12700" cap="flat" cmpd="sng" algn="ctr">
-                      <a:solidFill>
-                        <a:schemeClr val="tx1"/>
-                      </a:solidFill>
-                      <a:prstDash val="solid"/>
-                      <a:round/>
-                      <a:headEnd type="none" w="med" len="med"/>
-                      <a:tailEnd type="none" w="med" len="med"/>
-                    </a:lnL>
-                    <a:lnR w="12700" cap="flat" cmpd="sng" algn="ctr">
-                      <a:solidFill>
-                        <a:schemeClr val="tx1"/>
-                      </a:solidFill>
-                      <a:prstDash val="solid"/>
-                      <a:round/>
-                      <a:headEnd type="none" w="med" len="med"/>
-                      <a:tailEnd type="none" w="med" len="med"/>
-                    </a:lnR>
-                    <a:lnT w="12700" cap="flat" cmpd="sng" algn="ctr">
-                      <a:solidFill>
-                        <a:schemeClr val="tx1"/>
-                      </a:solidFill>
-                      <a:prstDash val="solid"/>
-                      <a:round/>
-                      <a:headEnd type="none" w="med" len="med"/>
-                      <a:tailEnd type="none" w="med" len="med"/>
-                    </a:lnT>
-                    <a:lnB w="12700" cap="flat" cmpd="sng" algn="ctr">
-                      <a:solidFill>
-                        <a:schemeClr val="tx1"/>
-                      </a:solidFill>
-                      <a:prstDash val="solid"/>
-                      <a:round/>
-                      <a:headEnd type="none" w="med" len="med"/>
-                      <a:tailEnd type="none" w="med" len="med"/>
-                    </a:lnB>
-                  </a:tcPr>
-                </a:tc>
-                <a:extLst>
-                  <a:ext uri="{0D108BD9-81ED-4DB2-BD59-A6C34878D82A}">
-                    <a16:rowId xmlns:a16="http://schemas.microsoft.com/office/drawing/2014/main" val="3532966366"/>
-                  </a:ext>
-                </a:extLst>
-              </a:tr>
-              <a:tr h="190500">
-                <a:tc>
-                  <a:txBody>
-                    <a:bodyPr/>
-                    <a:lstStyle/>
-                    <a:p>
-                      <a:pPr fontAlgn="t"/>
-                      <a:r>
-                        <a:rPr lang="en-US" sz="2000" b="1" dirty="0">
-                          <a:solidFill>
-                            <a:schemeClr val="tx1"/>
-                          </a:solidFill>
-                          <a:effectLst/>
-                        </a:rPr>
-                        <a:t>A-frame components</a:t>
-                      </a:r>
-                      <a:endParaRPr lang="en-US" sz="2000" dirty="0">
-                        <a:solidFill>
-                          <a:schemeClr val="tx1"/>
-                        </a:solidFill>
-                        <a:effectLst/>
-                      </a:endParaRPr>
-                    </a:p>
-                  </a:txBody>
-                  <a:tcPr>
-                    <a:lnL w="12700" cap="flat" cmpd="sng" algn="ctr">
-                      <a:solidFill>
-                        <a:schemeClr val="tx1"/>
-                      </a:solidFill>
-                      <a:prstDash val="solid"/>
-                      <a:round/>
-                      <a:headEnd type="none" w="med" len="med"/>
-                      <a:tailEnd type="none" w="med" len="med"/>
-                    </a:lnL>
-                    <a:lnR w="12700" cap="flat" cmpd="sng" algn="ctr">
-                      <a:solidFill>
-                        <a:schemeClr val="tx1"/>
-                      </a:solidFill>
-                      <a:prstDash val="solid"/>
-                      <a:round/>
-                      <a:headEnd type="none" w="med" len="med"/>
-                      <a:tailEnd type="none" w="med" len="med"/>
-                    </a:lnR>
-                    <a:lnT w="12700" cap="flat" cmpd="sng" algn="ctr">
-                      <a:solidFill>
-                        <a:schemeClr val="tx1"/>
-                      </a:solidFill>
-                      <a:prstDash val="solid"/>
-                      <a:round/>
-                      <a:headEnd type="none" w="med" len="med"/>
-                      <a:tailEnd type="none" w="med" len="med"/>
-                    </a:lnT>
-                    <a:lnB w="12700" cap="flat" cmpd="sng" algn="ctr">
-                      <a:solidFill>
-                        <a:schemeClr val="tx1"/>
-                      </a:solidFill>
-                      <a:prstDash val="solid"/>
-                      <a:round/>
-                      <a:headEnd type="none" w="med" len="med"/>
-                      <a:tailEnd type="none" w="med" len="med"/>
-                    </a:lnB>
-                    <a:noFill/>
-                  </a:tcPr>
-                </a:tc>
-                <a:tc>
-                  <a:txBody>
-                    <a:bodyPr/>
-                    <a:lstStyle/>
-                    <a:p>
-                      <a:pPr fontAlgn="t"/>
-                      <a:endParaRPr lang="en-US" sz="2000" dirty="0">
-                        <a:solidFill>
-                          <a:schemeClr val="tx1"/>
-                        </a:solidFill>
-                        <a:effectLst/>
-                      </a:endParaRPr>
-                    </a:p>
-                  </a:txBody>
-                  <a:tcPr>
-                    <a:lnL w="12700" cap="flat" cmpd="sng" algn="ctr">
-                      <a:solidFill>
-                        <a:schemeClr val="tx1"/>
-                      </a:solidFill>
-                      <a:prstDash val="solid"/>
-                      <a:round/>
-                      <a:headEnd type="none" w="med" len="med"/>
-                      <a:tailEnd type="none" w="med" len="med"/>
-                    </a:lnL>
-                    <a:lnR w="12700" cap="flat" cmpd="sng" algn="ctr">
-                      <a:solidFill>
-                        <a:schemeClr val="tx1"/>
-                      </a:solidFill>
-                      <a:prstDash val="solid"/>
-                      <a:round/>
-                      <a:headEnd type="none" w="med" len="med"/>
-                      <a:tailEnd type="none" w="med" len="med"/>
-                    </a:lnR>
-                    <a:lnT w="12700" cap="flat" cmpd="sng" algn="ctr">
-                      <a:solidFill>
-                        <a:schemeClr val="tx1"/>
-                      </a:solidFill>
-                      <a:prstDash val="solid"/>
-                      <a:round/>
-                      <a:headEnd type="none" w="med" len="med"/>
-                      <a:tailEnd type="none" w="med" len="med"/>
-                    </a:lnT>
-                    <a:lnB w="12700" cap="flat" cmpd="sng" algn="ctr">
-                      <a:solidFill>
-                        <a:schemeClr val="tx1"/>
-                      </a:solidFill>
-                      <a:prstDash val="solid"/>
-                      <a:round/>
-                      <a:headEnd type="none" w="med" len="med"/>
-                      <a:tailEnd type="none" w="med" len="med"/>
-                    </a:lnB>
-                    <a:noFill/>
-                  </a:tcPr>
-                </a:tc>
-                <a:extLst>
-                  <a:ext uri="{0D108BD9-81ED-4DB2-BD59-A6C34878D82A}">
-                    <a16:rowId xmlns:a16="http://schemas.microsoft.com/office/drawing/2014/main" val="1519694425"/>
-                  </a:ext>
-                </a:extLst>
-              </a:tr>
-              <a:tr h="190500">
-                <a:tc>
-                  <a:txBody>
-                    <a:bodyPr/>
-                    <a:lstStyle/>
-                    <a:p>
-                      <a:pPr fontAlgn="t"/>
-                      <a:r>
-                        <a:rPr lang="en-US" sz="2000" b="1" dirty="0">
-                          <a:effectLst/>
-                        </a:rPr>
-                        <a:t>Three.JS and A-frame</a:t>
-                      </a:r>
-                    </a:p>
-                  </a:txBody>
-                  <a:tcPr>
-                    <a:lnL w="12700" cap="flat" cmpd="sng" algn="ctr">
-                      <a:solidFill>
-                        <a:schemeClr val="tx1"/>
-                      </a:solidFill>
-                      <a:prstDash val="solid"/>
-                      <a:round/>
-                      <a:headEnd type="none" w="med" len="med"/>
-                      <a:tailEnd type="none" w="med" len="med"/>
-                    </a:lnL>
-                    <a:lnR w="12700" cap="flat" cmpd="sng" algn="ctr">
-                      <a:solidFill>
-                        <a:schemeClr val="tx1"/>
-                      </a:solidFill>
-                      <a:prstDash val="solid"/>
-                      <a:round/>
-                      <a:headEnd type="none" w="med" len="med"/>
-                      <a:tailEnd type="none" w="med" len="med"/>
-                    </a:lnR>
-                    <a:lnT w="12700" cap="flat" cmpd="sng" algn="ctr">
-                      <a:solidFill>
-                        <a:schemeClr val="tx1"/>
-                      </a:solidFill>
-                      <a:prstDash val="solid"/>
-                      <a:round/>
-                      <a:headEnd type="none" w="med" len="med"/>
-                      <a:tailEnd type="none" w="med" len="med"/>
-                    </a:lnT>
-                    <a:lnB w="12700" cap="flat" cmpd="sng" algn="ctr">
-                      <a:solidFill>
-                        <a:schemeClr val="tx1"/>
-                      </a:solidFill>
-                      <a:prstDash val="solid"/>
-                      <a:round/>
-                      <a:headEnd type="none" w="med" len="med"/>
-                      <a:tailEnd type="none" w="med" len="med"/>
-                    </a:lnB>
-                  </a:tcPr>
-                </a:tc>
-                <a:tc>
-                  <a:txBody>
-                    <a:bodyPr/>
-                    <a:lstStyle/>
-                    <a:p>
-                      <a:pPr fontAlgn="t"/>
-                      <a:endParaRPr lang="en-US" sz="2000" dirty="0">
-                        <a:effectLst/>
-                      </a:endParaRPr>
-                    </a:p>
-                  </a:txBody>
-                  <a:tcPr>
-                    <a:lnL w="12700" cap="flat" cmpd="sng" algn="ctr">
-                      <a:solidFill>
-                        <a:schemeClr val="tx1"/>
-                      </a:solidFill>
-                      <a:prstDash val="solid"/>
-                      <a:round/>
-                      <a:headEnd type="none" w="med" len="med"/>
-                      <a:tailEnd type="none" w="med" len="med"/>
-                    </a:lnL>
-                    <a:lnR w="12700" cap="flat" cmpd="sng" algn="ctr">
-                      <a:solidFill>
-                        <a:schemeClr val="tx1"/>
-                      </a:solidFill>
-                      <a:prstDash val="solid"/>
-                      <a:round/>
-                      <a:headEnd type="none" w="med" len="med"/>
-                      <a:tailEnd type="none" w="med" len="med"/>
-                    </a:lnR>
-                    <a:lnT w="12700" cap="flat" cmpd="sng" algn="ctr">
-                      <a:solidFill>
-                        <a:schemeClr val="tx1"/>
-                      </a:solidFill>
-                      <a:prstDash val="solid"/>
-                      <a:round/>
-                      <a:headEnd type="none" w="med" len="med"/>
-                      <a:tailEnd type="none" w="med" len="med"/>
-                    </a:lnT>
-                    <a:lnB w="12700" cap="flat" cmpd="sng" algn="ctr">
-                      <a:solidFill>
-                        <a:schemeClr val="tx1"/>
-                      </a:solidFill>
-                      <a:prstDash val="solid"/>
-                      <a:round/>
-                      <a:headEnd type="none" w="med" len="med"/>
-                      <a:tailEnd type="none" w="med" len="med"/>
-                    </a:lnB>
-                  </a:tcPr>
-                </a:tc>
-                <a:extLst>
-                  <a:ext uri="{0D108BD9-81ED-4DB2-BD59-A6C34878D82A}">
-                    <a16:rowId xmlns:a16="http://schemas.microsoft.com/office/drawing/2014/main" val="426141738"/>
-                  </a:ext>
-                </a:extLst>
-              </a:tr>
-              <a:tr h="190500">
-                <a:tc>
-                  <a:txBody>
-                    <a:bodyPr/>
-                    <a:lstStyle/>
-                    <a:p>
-                      <a:pPr fontAlgn="t"/>
-                      <a:r>
-                        <a:rPr lang="en-US" sz="2000" b="1" dirty="0">
-                          <a:effectLst/>
-                        </a:rPr>
-                        <a:t>Entity component architecture (ECA) </a:t>
-                      </a:r>
-                      <a:endParaRPr lang="en-US" sz="2000" dirty="0">
-                        <a:effectLst/>
-                      </a:endParaRPr>
-                    </a:p>
-                  </a:txBody>
-                  <a:tcPr>
-                    <a:lnL w="12700" cap="flat" cmpd="sng" algn="ctr">
-                      <a:solidFill>
-                        <a:schemeClr val="tx1"/>
-                      </a:solidFill>
-                      <a:prstDash val="solid"/>
-                      <a:round/>
-                      <a:headEnd type="none" w="med" len="med"/>
-                      <a:tailEnd type="none" w="med" len="med"/>
-                    </a:lnL>
-                    <a:lnR w="12700" cap="flat" cmpd="sng" algn="ctr">
-                      <a:solidFill>
-                        <a:schemeClr val="tx1"/>
-                      </a:solidFill>
-                      <a:prstDash val="solid"/>
-                      <a:round/>
-                      <a:headEnd type="none" w="med" len="med"/>
-                      <a:tailEnd type="none" w="med" len="med"/>
-                    </a:lnR>
-                    <a:lnT w="12700" cap="flat" cmpd="sng" algn="ctr">
-                      <a:solidFill>
-                        <a:schemeClr val="tx1"/>
-                      </a:solidFill>
-                      <a:prstDash val="solid"/>
-                      <a:round/>
-                      <a:headEnd type="none" w="med" len="med"/>
-                      <a:tailEnd type="none" w="med" len="med"/>
-                    </a:lnT>
-                    <a:lnB w="12700" cap="flat" cmpd="sng" algn="ctr">
-                      <a:solidFill>
-                        <a:schemeClr val="tx1"/>
-                      </a:solidFill>
-                      <a:prstDash val="solid"/>
-                      <a:round/>
-                      <a:headEnd type="none" w="med" len="med"/>
-                      <a:tailEnd type="none" w="med" len="med"/>
-                    </a:lnB>
-                  </a:tcPr>
-                </a:tc>
-                <a:tc>
-                  <a:txBody>
-                    <a:bodyPr/>
-                    <a:lstStyle/>
-                    <a:p>
-                      <a:pPr fontAlgn="t"/>
-                      <a:endParaRPr lang="en-US" sz="2000" dirty="0">
-                        <a:effectLst/>
-                      </a:endParaRPr>
-                    </a:p>
-                  </a:txBody>
-                  <a:tcPr>
-                    <a:lnL w="12700" cap="flat" cmpd="sng" algn="ctr">
-                      <a:solidFill>
-                        <a:schemeClr val="tx1"/>
-                      </a:solidFill>
-                      <a:prstDash val="solid"/>
-                      <a:round/>
-                      <a:headEnd type="none" w="med" len="med"/>
-                      <a:tailEnd type="none" w="med" len="med"/>
-                    </a:lnL>
-                    <a:lnR w="12700" cap="flat" cmpd="sng" algn="ctr">
-                      <a:solidFill>
-                        <a:schemeClr val="tx1"/>
-                      </a:solidFill>
-                      <a:prstDash val="solid"/>
-                      <a:round/>
-                      <a:headEnd type="none" w="med" len="med"/>
-                      <a:tailEnd type="none" w="med" len="med"/>
-                    </a:lnR>
-                    <a:lnT w="12700" cap="flat" cmpd="sng" algn="ctr">
-                      <a:solidFill>
-                        <a:schemeClr val="tx1"/>
-                      </a:solidFill>
-                      <a:prstDash val="solid"/>
-                      <a:round/>
-                      <a:headEnd type="none" w="med" len="med"/>
-                      <a:tailEnd type="none" w="med" len="med"/>
-                    </a:lnT>
-                    <a:lnB w="12700" cap="flat" cmpd="sng" algn="ctr">
-                      <a:solidFill>
-                        <a:schemeClr val="tx1"/>
-                      </a:solidFill>
-                      <a:prstDash val="solid"/>
-                      <a:round/>
-                      <a:headEnd type="none" w="med" len="med"/>
-                      <a:tailEnd type="none" w="med" len="med"/>
-                    </a:lnB>
-                  </a:tcPr>
-                </a:tc>
-                <a:extLst>
-                  <a:ext uri="{0D108BD9-81ED-4DB2-BD59-A6C34878D82A}">
-                    <a16:rowId xmlns:a16="http://schemas.microsoft.com/office/drawing/2014/main" val="43686111"/>
-                  </a:ext>
-                </a:extLst>
-              </a:tr>
-              <a:tr h="190500">
-                <a:tc>
-                  <a:txBody>
-                    <a:bodyPr/>
-                    <a:lstStyle/>
-                    <a:p>
-                      <a:pPr lvl="0">
-                        <a:buNone/>
-                      </a:pPr>
-                      <a:r>
-                        <a:rPr lang="en-US" sz="2000" b="1" dirty="0">
-                          <a:effectLst/>
-                        </a:rPr>
-                        <a:t>A-frame and planets </a:t>
-                      </a:r>
-                      <a:endParaRPr lang="en-US" sz="2000" dirty="0">
-                        <a:effectLst/>
-                      </a:endParaRPr>
-                    </a:p>
-                  </a:txBody>
-                  <a:tcPr>
-                    <a:lnL w="12700" cap="flat" cmpd="sng" algn="ctr">
-                      <a:solidFill>
-                        <a:schemeClr val="tx1"/>
-                      </a:solidFill>
-                      <a:prstDash val="solid"/>
-                      <a:round/>
-                      <a:headEnd type="none" w="med" len="med"/>
-                      <a:tailEnd type="none" w="med" len="med"/>
-                    </a:lnL>
-                    <a:lnR w="12700" cap="flat" cmpd="sng" algn="ctr">
-                      <a:solidFill>
-                        <a:schemeClr val="tx1"/>
-                      </a:solidFill>
-                      <a:prstDash val="solid"/>
-                      <a:round/>
-                      <a:headEnd type="none" w="med" len="med"/>
-                      <a:tailEnd type="none" w="med" len="med"/>
-                    </a:lnR>
-                    <a:lnT w="12700" cap="flat" cmpd="sng" algn="ctr">
-                      <a:solidFill>
-                        <a:schemeClr val="tx1"/>
-                      </a:solidFill>
-                      <a:prstDash val="solid"/>
-                      <a:round/>
-                      <a:headEnd type="none" w="med" len="med"/>
-                      <a:tailEnd type="none" w="med" len="med"/>
-                    </a:lnT>
-                    <a:lnB w="12700" cap="flat" cmpd="sng" algn="ctr">
-                      <a:solidFill>
-                        <a:schemeClr val="tx1"/>
-                      </a:solidFill>
-                      <a:prstDash val="solid"/>
-                      <a:round/>
-                      <a:headEnd type="none" w="med" len="med"/>
-                      <a:tailEnd type="none" w="med" len="med"/>
-                    </a:lnB>
-                  </a:tcPr>
-                </a:tc>
-                <a:tc>
-                  <a:txBody>
-                    <a:bodyPr/>
-                    <a:lstStyle/>
-                    <a:p>
-                      <a:pPr lvl="0">
-                        <a:buNone/>
-                      </a:pPr>
-                      <a:endParaRPr lang="en-US" dirty="0"/>
-                    </a:p>
-                  </a:txBody>
-                  <a:tcPr>
-                    <a:lnL w="12700" cap="flat" cmpd="sng" algn="ctr">
-                      <a:solidFill>
-                        <a:schemeClr val="tx1"/>
-                      </a:solidFill>
-                      <a:prstDash val="solid"/>
-                      <a:round/>
-                      <a:headEnd type="none" w="med" len="med"/>
-                      <a:tailEnd type="none" w="med" len="med"/>
-                    </a:lnL>
-                    <a:lnR w="12700" cap="flat" cmpd="sng" algn="ctr">
-                      <a:solidFill>
-                        <a:schemeClr val="tx1"/>
-                      </a:solidFill>
-                      <a:prstDash val="solid"/>
-                      <a:round/>
-                      <a:headEnd type="none" w="med" len="med"/>
-                      <a:tailEnd type="none" w="med" len="med"/>
-                    </a:lnR>
-                    <a:lnT w="12700" cap="flat" cmpd="sng" algn="ctr">
-                      <a:solidFill>
-                        <a:schemeClr val="tx1"/>
-                      </a:solidFill>
-                      <a:prstDash val="solid"/>
-                      <a:round/>
-                      <a:headEnd type="none" w="med" len="med"/>
-                      <a:tailEnd type="none" w="med" len="med"/>
-                    </a:lnT>
-                    <a:lnB w="12700" cap="flat" cmpd="sng" algn="ctr">
-                      <a:solidFill>
-                        <a:schemeClr val="tx1"/>
-                      </a:solidFill>
-                      <a:prstDash val="solid"/>
-                      <a:round/>
-                      <a:headEnd type="none" w="med" len="med"/>
-                      <a:tailEnd type="none" w="med" len="med"/>
-                    </a:lnB>
-                  </a:tcPr>
-                </a:tc>
-                <a:extLst>
-                  <a:ext uri="{0D108BD9-81ED-4DB2-BD59-A6C34878D82A}">
-                    <a16:rowId xmlns:a16="http://schemas.microsoft.com/office/drawing/2014/main" val="3391168925"/>
-                  </a:ext>
-                </a:extLst>
-              </a:tr>
-              <a:tr h="190500">
-                <a:tc>
-                  <a:txBody>
-                    <a:bodyPr/>
-                    <a:lstStyle/>
-                    <a:p>
-                      <a:pPr fontAlgn="t"/>
-                      <a:r>
-                        <a:rPr lang="en-US" sz="2000" b="1" dirty="0">
-                          <a:solidFill>
-                            <a:schemeClr val="bg1"/>
-                          </a:solidFill>
-                          <a:effectLst/>
-                        </a:rPr>
-                        <a:t>A-frame and animations </a:t>
-                      </a:r>
-                      <a:endParaRPr lang="en-US" sz="2000" dirty="0">
-                        <a:solidFill>
-                          <a:schemeClr val="bg1"/>
-                        </a:solidFill>
-                        <a:effectLst/>
-                      </a:endParaRPr>
-                    </a:p>
-                  </a:txBody>
-                  <a:tcPr>
-                    <a:lnL w="12700" cap="flat" cmpd="sng" algn="ctr">
-                      <a:solidFill>
-                        <a:schemeClr val="tx1"/>
-                      </a:solidFill>
-                      <a:prstDash val="solid"/>
-                      <a:round/>
-                      <a:headEnd type="none" w="med" len="med"/>
-                      <a:tailEnd type="none" w="med" len="med"/>
-                    </a:lnL>
-                    <a:lnR w="12700" cap="flat" cmpd="sng" algn="ctr">
-                      <a:solidFill>
-                        <a:schemeClr val="tx1"/>
-                      </a:solidFill>
-                      <a:prstDash val="solid"/>
-                      <a:round/>
-                      <a:headEnd type="none" w="med" len="med"/>
-                      <a:tailEnd type="none" w="med" len="med"/>
-                    </a:lnR>
-                    <a:lnT w="12700" cap="flat" cmpd="sng" algn="ctr">
-                      <a:solidFill>
-                        <a:schemeClr val="tx1"/>
-                      </a:solidFill>
-                      <a:prstDash val="solid"/>
-                      <a:round/>
-                      <a:headEnd type="none" w="med" len="med"/>
-                      <a:tailEnd type="none" w="med" len="med"/>
-                    </a:lnT>
-                    <a:lnB w="12700" cap="flat" cmpd="sng" algn="ctr">
-                      <a:solidFill>
-                        <a:schemeClr val="tx1"/>
-                      </a:solidFill>
-                      <a:prstDash val="solid"/>
-                      <a:round/>
-                      <a:headEnd type="none" w="med" len="med"/>
-                      <a:tailEnd type="none" w="med" len="med"/>
-                    </a:lnB>
-                    <a:solidFill>
-                      <a:srgbClr val="00B0F0"/>
-                    </a:solidFill>
-                  </a:tcPr>
-                </a:tc>
-                <a:tc>
-                  <a:txBody>
-                    <a:bodyPr/>
-                    <a:lstStyle/>
-                    <a:p>
-                      <a:pPr fontAlgn="t"/>
-                      <a:endParaRPr lang="en-US" sz="2000" dirty="0">
-                        <a:solidFill>
-                          <a:schemeClr val="bg1"/>
-                        </a:solidFill>
-                        <a:effectLst/>
-                      </a:endParaRPr>
-                    </a:p>
-                  </a:txBody>
-                  <a:tcPr>
-                    <a:lnL w="12700" cap="flat" cmpd="sng" algn="ctr">
-                      <a:solidFill>
-                        <a:schemeClr val="tx1"/>
-                      </a:solidFill>
-                      <a:prstDash val="solid"/>
-                      <a:round/>
-                      <a:headEnd type="none" w="med" len="med"/>
-                      <a:tailEnd type="none" w="med" len="med"/>
-                    </a:lnL>
-                    <a:lnR w="12700" cap="flat" cmpd="sng" algn="ctr">
-                      <a:solidFill>
-                        <a:schemeClr val="tx1"/>
-                      </a:solidFill>
-                      <a:prstDash val="solid"/>
-                      <a:round/>
-                      <a:headEnd type="none" w="med" len="med"/>
-                      <a:tailEnd type="none" w="med" len="med"/>
-                    </a:lnR>
-                    <a:lnT w="12700" cap="flat" cmpd="sng" algn="ctr">
-                      <a:solidFill>
-                        <a:schemeClr val="tx1"/>
-                      </a:solidFill>
-                      <a:prstDash val="solid"/>
-                      <a:round/>
-                      <a:headEnd type="none" w="med" len="med"/>
-                      <a:tailEnd type="none" w="med" len="med"/>
-                    </a:lnT>
-                    <a:lnB w="12700" cap="flat" cmpd="sng" algn="ctr">
-                      <a:solidFill>
-                        <a:schemeClr val="tx1"/>
-                      </a:solidFill>
-                      <a:prstDash val="solid"/>
-                      <a:round/>
-                      <a:headEnd type="none" w="med" len="med"/>
-                      <a:tailEnd type="none" w="med" len="med"/>
-                    </a:lnB>
-                    <a:solidFill>
-                      <a:srgbClr val="00B0F0"/>
-                    </a:solidFill>
-                  </a:tcPr>
-                </a:tc>
-                <a:extLst>
-                  <a:ext uri="{0D108BD9-81ED-4DB2-BD59-A6C34878D82A}">
-                    <a16:rowId xmlns:a16="http://schemas.microsoft.com/office/drawing/2014/main" val="2809005009"/>
-                  </a:ext>
-                </a:extLst>
-              </a:tr>
-              <a:tr h="190500">
-                <a:tc>
-                  <a:txBody>
-                    <a:bodyPr/>
-                    <a:lstStyle/>
-                    <a:p>
-                      <a:pPr fontAlgn="t"/>
-                      <a:r>
-                        <a:rPr lang="en-US" sz="2000" b="1" dirty="0">
-                          <a:effectLst/>
-                        </a:rPr>
-                        <a:t>Conclusion </a:t>
-                      </a:r>
-                      <a:endParaRPr lang="en-US" sz="2000" dirty="0">
-                        <a:effectLst/>
-                      </a:endParaRPr>
-                    </a:p>
-                  </a:txBody>
-                  <a:tcPr>
-                    <a:lnL w="12700" cap="flat" cmpd="sng" algn="ctr">
-                      <a:solidFill>
-                        <a:schemeClr val="tx1"/>
-                      </a:solidFill>
-                      <a:prstDash val="solid"/>
-                      <a:round/>
-                      <a:headEnd type="none" w="med" len="med"/>
-                      <a:tailEnd type="none" w="med" len="med"/>
-                    </a:lnL>
-                    <a:lnR w="12700" cap="flat" cmpd="sng" algn="ctr">
-                      <a:solidFill>
-                        <a:schemeClr val="tx1"/>
-                      </a:solidFill>
-                      <a:prstDash val="solid"/>
-                      <a:round/>
-                      <a:headEnd type="none" w="med" len="med"/>
-                      <a:tailEnd type="none" w="med" len="med"/>
-                    </a:lnR>
-                    <a:lnT w="12700" cap="flat" cmpd="sng" algn="ctr">
-                      <a:solidFill>
-                        <a:schemeClr val="tx1"/>
-                      </a:solidFill>
-                      <a:prstDash val="solid"/>
-                      <a:round/>
-                      <a:headEnd type="none" w="med" len="med"/>
-                      <a:tailEnd type="none" w="med" len="med"/>
-                    </a:lnT>
-                    <a:lnB w="12700" cap="flat" cmpd="sng" algn="ctr">
-                      <a:solidFill>
-                        <a:schemeClr val="tx1"/>
-                      </a:solidFill>
-                      <a:prstDash val="solid"/>
-                      <a:round/>
-                      <a:headEnd type="none" w="med" len="med"/>
-                      <a:tailEnd type="none" w="med" len="med"/>
-                    </a:lnB>
-                  </a:tcPr>
-                </a:tc>
-                <a:tc>
-                  <a:txBody>
-                    <a:bodyPr/>
-                    <a:lstStyle/>
-                    <a:p>
-                      <a:pPr fontAlgn="t"/>
-                      <a:endParaRPr lang="en-US" sz="2000" dirty="0">
-                        <a:effectLst/>
-                      </a:endParaRPr>
-                    </a:p>
-                  </a:txBody>
-                  <a:tcPr>
-                    <a:lnL w="12700" cap="flat" cmpd="sng" algn="ctr">
-                      <a:solidFill>
-                        <a:schemeClr val="tx1"/>
-                      </a:solidFill>
-                      <a:prstDash val="solid"/>
-                      <a:round/>
-                      <a:headEnd type="none" w="med" len="med"/>
-                      <a:tailEnd type="none" w="med" len="med"/>
-                    </a:lnL>
-                    <a:lnR w="12700" cap="flat" cmpd="sng" algn="ctr">
-                      <a:solidFill>
-                        <a:schemeClr val="tx1"/>
-                      </a:solidFill>
-                      <a:prstDash val="solid"/>
-                      <a:round/>
-                      <a:headEnd type="none" w="med" len="med"/>
-                      <a:tailEnd type="none" w="med" len="med"/>
-                    </a:lnR>
-                    <a:lnT w="12700" cap="flat" cmpd="sng" algn="ctr">
-                      <a:solidFill>
-                        <a:schemeClr val="tx1"/>
-                      </a:solidFill>
-                      <a:prstDash val="solid"/>
-                      <a:round/>
-                      <a:headEnd type="none" w="med" len="med"/>
-                      <a:tailEnd type="none" w="med" len="med"/>
-                    </a:lnT>
-                    <a:lnB w="12700" cap="flat" cmpd="sng" algn="ctr">
-                      <a:solidFill>
-                        <a:schemeClr val="tx1"/>
-                      </a:solidFill>
-                      <a:prstDash val="solid"/>
-                      <a:round/>
-                      <a:headEnd type="none" w="med" len="med"/>
-                      <a:tailEnd type="none" w="med" len="med"/>
-                    </a:lnB>
-                  </a:tcPr>
-                </a:tc>
-                <a:extLst>
-                  <a:ext uri="{0D108BD9-81ED-4DB2-BD59-A6C34878D82A}">
-                    <a16:rowId xmlns:a16="http://schemas.microsoft.com/office/drawing/2014/main" val="2632985617"/>
-                  </a:ext>
-                </a:extLst>
-              </a:tr>
-            </a:tbl>
-          </a:graphicData>
-        </a:graphic>
-      </p:graphicFrame>
-    </p:spTree>
-    <p:extLst>
-      <p:ext uri="{BB962C8B-B14F-4D97-AF65-F5344CB8AC3E}">
-        <p14:creationId xmlns:p14="http://schemas.microsoft.com/office/powerpoint/2010/main" val="3486731743"/>
-      </p:ext>
-    </p:extLst>
-  </p:cSld>
-  <p:clrMapOvr>
-    <a:masterClrMapping/>
-  </p:clrMapOvr>
-</p:sld>
-</file>
-
-<file path=ppt/slides/slide3.xml><?xml version="1.0" encoding="utf-8"?>
-<p:sld xmlns:a="http://schemas.openxmlformats.org/drawingml/2006/main" xmlns:r="http://schemas.openxmlformats.org/officeDocument/2006/relationships" xmlns:p="http://schemas.openxmlformats.org/presentationml/2006/main">
-  <p:cSld>
-    <p:spTree>
-      <p:nvGrpSpPr>
-        <p:cNvPr id="1" name=""/>
-        <p:cNvGrpSpPr/>
-        <p:nvPr/>
-      </p:nvGrpSpPr>
-      <p:grpSpPr>
-        <a:xfrm>
-          <a:off x="0" y="0"/>
-          <a:ext cx="0" cy="0"/>
-          <a:chOff x="0" y="0"/>
-          <a:chExt cx="0" cy="0"/>
-        </a:xfrm>
-      </p:grpSpPr>
-      <p:sp>
-        <p:nvSpPr>
-          <p:cNvPr id="2" name="Title 1">
-            <a:extLst>
-              <a:ext uri="{FF2B5EF4-FFF2-40B4-BE49-F238E27FC236}">
                 <a16:creationId xmlns:a16="http://schemas.microsoft.com/office/drawing/2014/main" id="{D0A32E1B-304C-70CA-4FE2-121036B45BBD}"/>
               </a:ext>
             </a:extLst>
@@ -5619,7 +4433,7 @@
 </p:sld>
 </file>
 
-<file path=ppt/slides/slide4.xml><?xml version="1.0" encoding="utf-8"?>
+<file path=ppt/slides/slide3.xml><?xml version="1.0" encoding="utf-8"?>
 <p:sld xmlns:a="http://schemas.openxmlformats.org/drawingml/2006/main" xmlns:r="http://schemas.openxmlformats.org/officeDocument/2006/relationships" xmlns:p="http://schemas.openxmlformats.org/presentationml/2006/main">
   <p:cSld>
     <p:spTree>
@@ -5744,7 +4558,7 @@
 </p:sld>
 </file>
 
-<file path=ppt/slides/slide5.xml><?xml version="1.0" encoding="utf-8"?>
+<file path=ppt/slides/slide4.xml><?xml version="1.0" encoding="utf-8"?>
 <p:sld xmlns:a="http://schemas.openxmlformats.org/drawingml/2006/main" xmlns:r="http://schemas.openxmlformats.org/officeDocument/2006/relationships" xmlns:p="http://schemas.openxmlformats.org/presentationml/2006/main">
   <p:cSld>
     <p:spTree>
@@ -5832,7 +4646,7 @@
 </p:sld>
 </file>
 
-<file path=ppt/slides/slide6.xml><?xml version="1.0" encoding="utf-8"?>
+<file path=ppt/slides/slide5.xml><?xml version="1.0" encoding="utf-8"?>
 <p:sld xmlns:a="http://schemas.openxmlformats.org/drawingml/2006/main" xmlns:r="http://schemas.openxmlformats.org/officeDocument/2006/relationships" xmlns:p="http://schemas.openxmlformats.org/presentationml/2006/main">
   <p:cSld>
     <p:spTree>
